--- a/Topic B Programming Introduction/B.2 Lesson - Python Variable Basics.pptx
+++ b/Topic B Programming Introduction/B.2 Lesson - Python Variable Basics.pptx
@@ -15,6 +15,7 @@
     <p:sldId id="262" r:id="rId9"/>
     <p:sldId id="264" r:id="rId10"/>
     <p:sldId id="265" r:id="rId11"/>
+    <p:sldId id="266" r:id="rId12"/>
   </p:sldIdLst>
   <p:sldSz cx="9144000" cy="6858000" type="screen4x3"/>
   <p:notesSz cx="6858000" cy="9144000"/>
@@ -314,7 +315,7 @@
             <a:fld id="{1D8BD707-D9CF-40AE-B4C6-C98DA3205C09}" type="datetimeFigureOut">
               <a:rPr lang="en-US" smtClean="0"/>
               <a:pPr/>
-              <a:t>9/16/2019</a:t>
+              <a:t>9/17/2019</a:t>
             </a:fld>
             <a:endParaRPr lang="en-US"/>
           </a:p>
@@ -481,7 +482,7 @@
             <a:fld id="{1D8BD707-D9CF-40AE-B4C6-C98DA3205C09}" type="datetimeFigureOut">
               <a:rPr lang="en-US" smtClean="0"/>
               <a:pPr/>
-              <a:t>9/16/2019</a:t>
+              <a:t>9/17/2019</a:t>
             </a:fld>
             <a:endParaRPr lang="en-US"/>
           </a:p>
@@ -658,7 +659,7 @@
             <a:fld id="{1D8BD707-D9CF-40AE-B4C6-C98DA3205C09}" type="datetimeFigureOut">
               <a:rPr lang="en-US" smtClean="0"/>
               <a:pPr/>
-              <a:t>9/16/2019</a:t>
+              <a:t>9/17/2019</a:t>
             </a:fld>
             <a:endParaRPr lang="en-US"/>
           </a:p>
@@ -825,7 +826,7 @@
             <a:fld id="{1D8BD707-D9CF-40AE-B4C6-C98DA3205C09}" type="datetimeFigureOut">
               <a:rPr lang="en-US" smtClean="0"/>
               <a:pPr/>
-              <a:t>9/16/2019</a:t>
+              <a:t>9/17/2019</a:t>
             </a:fld>
             <a:endParaRPr lang="en-US"/>
           </a:p>
@@ -1068,7 +1069,7 @@
             <a:fld id="{1D8BD707-D9CF-40AE-B4C6-C98DA3205C09}" type="datetimeFigureOut">
               <a:rPr lang="en-US" smtClean="0"/>
               <a:pPr/>
-              <a:t>9/16/2019</a:t>
+              <a:t>9/17/2019</a:t>
             </a:fld>
             <a:endParaRPr lang="en-US"/>
           </a:p>
@@ -1353,7 +1354,7 @@
             <a:fld id="{1D8BD707-D9CF-40AE-B4C6-C98DA3205C09}" type="datetimeFigureOut">
               <a:rPr lang="en-US" smtClean="0"/>
               <a:pPr/>
-              <a:t>9/16/2019</a:t>
+              <a:t>9/17/2019</a:t>
             </a:fld>
             <a:endParaRPr lang="en-US"/>
           </a:p>
@@ -1772,7 +1773,7 @@
             <a:fld id="{1D8BD707-D9CF-40AE-B4C6-C98DA3205C09}" type="datetimeFigureOut">
               <a:rPr lang="en-US" smtClean="0"/>
               <a:pPr/>
-              <a:t>9/16/2019</a:t>
+              <a:t>9/17/2019</a:t>
             </a:fld>
             <a:endParaRPr lang="en-US"/>
           </a:p>
@@ -1887,7 +1888,7 @@
             <a:fld id="{1D8BD707-D9CF-40AE-B4C6-C98DA3205C09}" type="datetimeFigureOut">
               <a:rPr lang="en-US" smtClean="0"/>
               <a:pPr/>
-              <a:t>9/16/2019</a:t>
+              <a:t>9/17/2019</a:t>
             </a:fld>
             <a:endParaRPr lang="en-US"/>
           </a:p>
@@ -1979,7 +1980,7 @@
             <a:fld id="{1D8BD707-D9CF-40AE-B4C6-C98DA3205C09}" type="datetimeFigureOut">
               <a:rPr lang="en-US" smtClean="0"/>
               <a:pPr/>
-              <a:t>9/16/2019</a:t>
+              <a:t>9/17/2019</a:t>
             </a:fld>
             <a:endParaRPr lang="en-US"/>
           </a:p>
@@ -2253,7 +2254,7 @@
             <a:fld id="{1D8BD707-D9CF-40AE-B4C6-C98DA3205C09}" type="datetimeFigureOut">
               <a:rPr lang="en-US" smtClean="0"/>
               <a:pPr/>
-              <a:t>9/16/2019</a:t>
+              <a:t>9/17/2019</a:t>
             </a:fld>
             <a:endParaRPr lang="en-US"/>
           </a:p>
@@ -2503,7 +2504,7 @@
             <a:fld id="{1D8BD707-D9CF-40AE-B4C6-C98DA3205C09}" type="datetimeFigureOut">
               <a:rPr lang="en-US" smtClean="0"/>
               <a:pPr/>
-              <a:t>9/16/2019</a:t>
+              <a:t>9/17/2019</a:t>
             </a:fld>
             <a:endParaRPr lang="en-US"/>
           </a:p>
@@ -2713,7 +2714,7 @@
             <a:fld id="{1D8BD707-D9CF-40AE-B4C6-C98DA3205C09}" type="datetimeFigureOut">
               <a:rPr lang="en-US" smtClean="0"/>
               <a:pPr/>
-              <a:t>9/16/2019</a:t>
+              <a:t>9/17/2019</a:t>
             </a:fld>
             <a:endParaRPr lang="en-US"/>
           </a:p>
@@ -3210,15 +3211,7 @@
             </a:pPr>
             <a:r>
               <a:rPr lang="en-US" sz="2000" dirty="0" smtClean="0"/>
-              <a:t>Variables </a:t>
-            </a:r>
-            <a:r>
-              <a:rPr lang="en-US" sz="2000" dirty="0" smtClean="0"/>
-              <a:t>can </a:t>
-            </a:r>
-            <a:r>
-              <a:rPr lang="en-US" sz="2000" dirty="0" smtClean="0"/>
-              <a:t>also be used in an expression</a:t>
+              <a:t>Interactive programs take user input to produce different results</a:t>
             </a:r>
             <a:endParaRPr lang="en-US" sz="2000" dirty="0" smtClean="0"/>
           </a:p>
@@ -3228,13 +3221,10 @@
               <a:buAutoNum type="alphaLcParenR"/>
             </a:pPr>
             <a:r>
-              <a:rPr lang="en-US" sz="1600" dirty="0"/>
-              <a:t>The </a:t>
-            </a:r>
-            <a:r>
-              <a:rPr lang="en-US" sz="1600" dirty="0" smtClean="0"/>
-              <a:t>value of the Variable is taken from memory</a:t>
-            </a:r>
+              <a:rPr lang="en-CA" sz="1600" dirty="0" smtClean="0"/>
+              <a:t>Variables take the place of hard-coded numbers</a:t>
+            </a:r>
+            <a:endParaRPr lang="en-US" sz="1600" dirty="0" smtClean="0"/>
           </a:p>
           <a:p>
             <a:pPr marL="914400" lvl="1" indent="-514350">
@@ -3243,7 +3233,7 @@
             </a:pPr>
             <a:r>
               <a:rPr lang="en-CA" sz="1600" dirty="0" smtClean="0"/>
-              <a:t>The value of the Variable is substituted into the expression</a:t>
+              <a:t>The logic of the computation works for any input value</a:t>
             </a:r>
             <a:endParaRPr lang="en-US" sz="1600" dirty="0" smtClean="0"/>
           </a:p>
@@ -3254,7 +3244,7 @@
             </a:pPr>
             <a:r>
               <a:rPr lang="en-US" sz="2000" dirty="0" smtClean="0"/>
-              <a:t>Variables add flexibility to computer programs</a:t>
+              <a:t>"input" and "print" are very useful built-in commands </a:t>
             </a:r>
             <a:endParaRPr lang="en-US" sz="2000" dirty="0" smtClean="0"/>
           </a:p>
@@ -3490,7 +3480,7 @@
           <p:nvPr>
             <p:extLst>
               <p:ext uri="{D42A27DB-BD31-4B8C-83A1-F6EECF244321}">
-                <p14:modId xmlns:p14="http://schemas.microsoft.com/office/powerpoint/2010/main" val="27022522"/>
+                <p14:modId xmlns:p14="http://schemas.microsoft.com/office/powerpoint/2010/main" val="583597739"/>
               </p:ext>
             </p:extLst>
           </p:nvPr>
@@ -3509,14 +3499,14 @@
                 <a:gridCol w="1409700">
                   <a:extLst>
                     <a:ext uri="{9D8B030D-6E8A-4147-A177-3AD203B41FA5}">
-                      <a16:colId xmlns="" xmlns:a16="http://schemas.microsoft.com/office/drawing/2014/main" val="20000"/>
+                      <a16:colId xmlns:a16="http://schemas.microsoft.com/office/drawing/2014/main" xmlns="" val="20000"/>
                     </a:ext>
                   </a:extLst>
                 </a:gridCol>
                 <a:gridCol w="1409700">
                   <a:extLst>
                     <a:ext uri="{9D8B030D-6E8A-4147-A177-3AD203B41FA5}">
-                      <a16:colId xmlns="" xmlns:a16="http://schemas.microsoft.com/office/drawing/2014/main" val="20001"/>
+                      <a16:colId xmlns:a16="http://schemas.microsoft.com/office/drawing/2014/main" xmlns="" val="20001"/>
                     </a:ext>
                   </a:extLst>
                 </a:gridCol>
@@ -3554,7 +3544,7 @@
                 </a:tc>
                 <a:extLst>
                   <a:ext uri="{0D108BD9-81ED-4DB2-BD59-A6C34878D82A}">
-                    <a16:rowId xmlns="" xmlns:a16="http://schemas.microsoft.com/office/drawing/2014/main" val="10000"/>
+                    <a16:rowId xmlns:a16="http://schemas.microsoft.com/office/drawing/2014/main" xmlns="" val="10000"/>
                   </a:ext>
                 </a:extLst>
               </a:tr>
@@ -3566,12 +3556,12 @@
                     <a:p>
                       <a:pPr algn="ctr"/>
                       <a:r>
-                        <a:rPr lang="en-CA" sz="1400" dirty="0" err="1" smtClean="0">
+                        <a:rPr lang="en-CA" sz="1400" dirty="0" smtClean="0">
                           <a:solidFill>
                             <a:srgbClr val="FF0000"/>
                           </a:solidFill>
                         </a:rPr>
-                        <a:t>inNum</a:t>
+                        <a:t>value</a:t>
                       </a:r>
                       <a:endParaRPr lang="en-US" sz="1400" dirty="0">
                         <a:solidFill>
@@ -3607,7 +3597,7 @@
                 </a:tc>
                 <a:extLst>
                   <a:ext uri="{0D108BD9-81ED-4DB2-BD59-A6C34878D82A}">
-                    <a16:rowId xmlns="" xmlns:a16="http://schemas.microsoft.com/office/drawing/2014/main" val="10001"/>
+                    <a16:rowId xmlns:a16="http://schemas.microsoft.com/office/drawing/2014/main" xmlns="" val="10001"/>
                   </a:ext>
                 </a:extLst>
               </a:tr>
@@ -3635,12 +3625,12 @@
                         <a:defRPr/>
                       </a:pPr>
                       <a:r>
-                        <a:rPr lang="en-CA" sz="1400" dirty="0" err="1" smtClean="0">
+                        <a:rPr lang="en-CA" sz="1400" dirty="0" smtClean="0">
                           <a:solidFill>
                             <a:srgbClr val="FF0000"/>
                           </a:solidFill>
                         </a:rPr>
-                        <a:t>outNum</a:t>
+                        <a:t>value2</a:t>
                       </a:r>
                       <a:endParaRPr lang="en-US" sz="1400" dirty="0" smtClean="0">
                         <a:solidFill>
@@ -3676,7 +3666,7 @@
                 </a:tc>
                 <a:extLst>
                   <a:ext uri="{0D108BD9-81ED-4DB2-BD59-A6C34878D82A}">
-                    <a16:rowId xmlns="" xmlns:a16="http://schemas.microsoft.com/office/drawing/2014/main" val="10002"/>
+                    <a16:rowId xmlns:a16="http://schemas.microsoft.com/office/drawing/2014/main" xmlns="" val="10002"/>
                   </a:ext>
                 </a:extLst>
               </a:tr>
@@ -3705,7 +3695,7 @@
                 </a:tc>
                 <a:extLst>
                   <a:ext uri="{0D108BD9-81ED-4DB2-BD59-A6C34878D82A}">
-                    <a16:rowId xmlns="" xmlns:a16="http://schemas.microsoft.com/office/drawing/2014/main" val="10003"/>
+                    <a16:rowId xmlns:a16="http://schemas.microsoft.com/office/drawing/2014/main" xmlns="" val="10003"/>
                   </a:ext>
                 </a:extLst>
               </a:tr>
@@ -3734,7 +3724,7 @@
                 </a:tc>
                 <a:extLst>
                   <a:ext uri="{0D108BD9-81ED-4DB2-BD59-A6C34878D82A}">
-                    <a16:rowId xmlns="" xmlns:a16="http://schemas.microsoft.com/office/drawing/2014/main" val="10004"/>
+                    <a16:rowId xmlns:a16="http://schemas.microsoft.com/office/drawing/2014/main" xmlns="" val="10004"/>
                   </a:ext>
                 </a:extLst>
               </a:tr>
@@ -3764,7 +3754,7 @@
                 <a:gridCol w="1828800">
                   <a:extLst>
                     <a:ext uri="{9D8B030D-6E8A-4147-A177-3AD203B41FA5}">
-                      <a16:colId xmlns="" xmlns:a16="http://schemas.microsoft.com/office/drawing/2014/main" val="20000"/>
+                      <a16:colId xmlns:a16="http://schemas.microsoft.com/office/drawing/2014/main" xmlns="" val="20000"/>
                     </a:ext>
                   </a:extLst>
                 </a:gridCol>
@@ -3786,7 +3776,7 @@
                 </a:tc>
                 <a:extLst>
                   <a:ext uri="{0D108BD9-81ED-4DB2-BD59-A6C34878D82A}">
-                    <a16:rowId xmlns="" xmlns:a16="http://schemas.microsoft.com/office/drawing/2014/main" val="10000"/>
+                    <a16:rowId xmlns:a16="http://schemas.microsoft.com/office/drawing/2014/main" xmlns="" val="10000"/>
                   </a:ext>
                 </a:extLst>
               </a:tr>
@@ -3811,7 +3801,7 @@
                 </a:tc>
                 <a:extLst>
                   <a:ext uri="{0D108BD9-81ED-4DB2-BD59-A6C34878D82A}">
-                    <a16:rowId xmlns="" xmlns:a16="http://schemas.microsoft.com/office/drawing/2014/main" val="10001"/>
+                    <a16:rowId xmlns:a16="http://schemas.microsoft.com/office/drawing/2014/main" xmlns="" val="10001"/>
                   </a:ext>
                 </a:extLst>
               </a:tr>
@@ -3828,7 +3818,7 @@
         <p:spPr>
           <a:xfrm>
             <a:off x="4572000" y="3327120"/>
-            <a:ext cx="4489306" cy="830997"/>
+            <a:ext cx="4395114" cy="830997"/>
           </a:xfrm>
           <a:prstGeom prst="rect">
             <a:avLst/>
@@ -3842,20 +3832,12 @@
           <a:lstStyle/>
           <a:p>
             <a:r>
-              <a:rPr lang="en-US" sz="1600" b="1" dirty="0" err="1" smtClean="0">
+              <a:rPr lang="en-US" sz="1600" b="1" dirty="0" smtClean="0">
                 <a:solidFill>
                   <a:srgbClr val="C00000"/>
                 </a:solidFill>
               </a:rPr>
-              <a:t>inNum</a:t>
-            </a:r>
-            <a:r>
-              <a:rPr lang="en-US" sz="1600" b="1" dirty="0" smtClean="0">
-                <a:solidFill>
-                  <a:srgbClr val="C00000"/>
-                </a:solidFill>
-              </a:rPr>
-              <a:t> = </a:t>
+              <a:t>value = </a:t>
             </a:r>
             <a:r>
               <a:rPr lang="en-US" sz="1600" b="1" dirty="0" err="1" smtClean="0">
@@ -3871,25 +3853,25 @@
                   <a:srgbClr val="C00000"/>
                 </a:solidFill>
               </a:rPr>
-              <a:t>(input("Enter a number:"))</a:t>
-            </a:r>
-          </a:p>
-          <a:p>
-            <a:r>
-              <a:rPr lang="en-US" sz="1600" b="1" dirty="0" err="1" smtClean="0">
+              <a:t>(input("Enter </a:t>
+            </a:r>
+            <a:r>
+              <a:rPr lang="en-US" sz="1600" b="1" dirty="0" smtClean="0">
                 <a:solidFill>
                   <a:srgbClr val="C00000"/>
                 </a:solidFill>
               </a:rPr>
-              <a:t>outNum</a:t>
-            </a:r>
+              <a:t>a number:"))</a:t>
+            </a:r>
+          </a:p>
+          <a:p>
             <a:r>
               <a:rPr lang="en-US" sz="1600" b="1" dirty="0" smtClean="0">
                 <a:solidFill>
                   <a:srgbClr val="C00000"/>
                 </a:solidFill>
               </a:rPr>
-              <a:t> </a:t>
+              <a:t>value2 = value </a:t>
             </a:r>
             <a:r>
               <a:rPr lang="en-US" sz="1600" b="1" dirty="0" smtClean="0">
@@ -3897,15 +3879,17 @@
                   <a:srgbClr val="C00000"/>
                 </a:solidFill>
               </a:rPr>
-              <a:t>= </a:t>
-            </a:r>
-            <a:r>
-              <a:rPr lang="en-US" sz="1600" b="1" dirty="0" err="1" smtClean="0">
+              <a:t>** 2</a:t>
+            </a:r>
+          </a:p>
+          <a:p>
+            <a:r>
+              <a:rPr lang="en-US" sz="1600" b="1" dirty="0" smtClean="0">
                 <a:solidFill>
                   <a:srgbClr val="C00000"/>
                 </a:solidFill>
               </a:rPr>
-              <a:t>inNum</a:t>
+              <a:t>print("The square of </a:t>
             </a:r>
             <a:r>
               <a:rPr lang="en-US" sz="1600" b="1" dirty="0" smtClean="0">
@@ -3913,22 +3897,15 @@
                   <a:srgbClr val="C00000"/>
                 </a:solidFill>
               </a:rPr>
-              <a:t> ** 2</a:t>
-            </a:r>
-            <a:endParaRPr lang="en-US" sz="1600" b="1" dirty="0" smtClean="0">
-              <a:solidFill>
-                <a:srgbClr val="C00000"/>
-              </a:solidFill>
-            </a:endParaRPr>
-          </a:p>
-          <a:p>
+              <a:t>%d </a:t>
+            </a:r>
             <a:r>
               <a:rPr lang="en-US" sz="1600" b="1" dirty="0" smtClean="0">
                 <a:solidFill>
                   <a:srgbClr val="C00000"/>
                 </a:solidFill>
               </a:rPr>
-              <a:t>print</a:t>
+              <a:t>is </a:t>
             </a:r>
             <a:r>
               <a:rPr lang="en-US" sz="1600" b="1" dirty="0" smtClean="0">
@@ -3936,15 +3913,15 @@
                   <a:srgbClr val="C00000"/>
                 </a:solidFill>
               </a:rPr>
-              <a:t>("The square of % is %"  % (</a:t>
-            </a:r>
-            <a:r>
-              <a:rPr lang="en-US" sz="1600" b="1" dirty="0" err="1" smtClean="0">
+              <a:t>%d"  </a:t>
+            </a:r>
+            <a:r>
+              <a:rPr lang="en-US" sz="1600" b="1" dirty="0" smtClean="0">
                 <a:solidFill>
                   <a:srgbClr val="C00000"/>
                 </a:solidFill>
               </a:rPr>
-              <a:t>inNum,outNum</a:t>
+              <a:t>% </a:t>
             </a:r>
             <a:r>
               <a:rPr lang="en-US" sz="1600" b="1" dirty="0" smtClean="0">
@@ -3952,7 +3929,7 @@
                   <a:srgbClr val="C00000"/>
                 </a:solidFill>
               </a:rPr>
-              <a:t>)) </a:t>
+              <a:t>(value,value2)) </a:t>
             </a:r>
             <a:endParaRPr lang="en-US" sz="1600" b="1" dirty="0">
               <a:solidFill>
@@ -4014,6 +3991,78 @@
     <p:extLst>
       <p:ext uri="{BB962C8B-B14F-4D97-AF65-F5344CB8AC3E}">
         <p14:creationId xmlns:p14="http://schemas.microsoft.com/office/powerpoint/2010/main" val="3287399873"/>
+      </p:ext>
+    </p:extLst>
+  </p:cSld>
+  <p:clrMapOvr>
+    <a:masterClrMapping/>
+  </p:clrMapOvr>
+</p:sld>
+</file>
+
+<file path=ppt/slides/slide11.xml><?xml version="1.0" encoding="utf-8"?>
+<p:sld xmlns:a="http://schemas.openxmlformats.org/drawingml/2006/main" xmlns:r="http://schemas.openxmlformats.org/officeDocument/2006/relationships" xmlns:p="http://schemas.openxmlformats.org/presentationml/2006/main">
+  <p:cSld>
+    <p:spTree>
+      <p:nvGrpSpPr>
+        <p:cNvPr id="1" name=""/>
+        <p:cNvGrpSpPr/>
+        <p:nvPr/>
+      </p:nvGrpSpPr>
+      <p:grpSpPr>
+        <a:xfrm>
+          <a:off x="0" y="0"/>
+          <a:ext cx="0" cy="0"/>
+          <a:chOff x="0" y="0"/>
+          <a:chExt cx="0" cy="0"/>
+        </a:xfrm>
+      </p:grpSpPr>
+      <p:sp>
+        <p:nvSpPr>
+          <p:cNvPr id="4" name="Title 3"/>
+          <p:cNvSpPr>
+            <a:spLocks noGrp="1"/>
+          </p:cNvSpPr>
+          <p:nvPr>
+            <p:ph type="title"/>
+          </p:nvPr>
+        </p:nvSpPr>
+        <p:spPr/>
+        <p:txBody>
+          <a:bodyPr/>
+          <a:lstStyle/>
+          <a:p>
+            <a:r>
+              <a:rPr lang="en-CA" dirty="0" smtClean="0"/>
+              <a:t>End of Lesson B.2</a:t>
+            </a:r>
+            <a:endParaRPr lang="en-US" dirty="0"/>
+          </a:p>
+        </p:txBody>
+      </p:sp>
+      <p:sp>
+        <p:nvSpPr>
+          <p:cNvPr id="5" name="Text Placeholder 4"/>
+          <p:cNvSpPr>
+            <a:spLocks noGrp="1"/>
+          </p:cNvSpPr>
+          <p:nvPr>
+            <p:ph type="body" idx="1"/>
+          </p:nvPr>
+        </p:nvSpPr>
+        <p:spPr/>
+        <p:txBody>
+          <a:bodyPr/>
+          <a:lstStyle/>
+          <a:p>
+            <a:endParaRPr lang="en-US"/>
+          </a:p>
+        </p:txBody>
+      </p:sp>
+    </p:spTree>
+    <p:extLst>
+      <p:ext uri="{BB962C8B-B14F-4D97-AF65-F5344CB8AC3E}">
+        <p14:creationId xmlns:p14="http://schemas.microsoft.com/office/powerpoint/2010/main" val="872161461"/>
       </p:ext>
     </p:extLst>
   </p:cSld>
@@ -4370,14 +4419,14 @@
                 <a:gridCol w="1409700">
                   <a:extLst>
                     <a:ext uri="{9D8B030D-6E8A-4147-A177-3AD203B41FA5}">
-                      <a16:colId xmlns="" xmlns:a16="http://schemas.microsoft.com/office/drawing/2014/main" val="20000"/>
+                      <a16:colId xmlns:a16="http://schemas.microsoft.com/office/drawing/2014/main" xmlns="" val="20000"/>
                     </a:ext>
                   </a:extLst>
                 </a:gridCol>
                 <a:gridCol w="1409700">
                   <a:extLst>
                     <a:ext uri="{9D8B030D-6E8A-4147-A177-3AD203B41FA5}">
-                      <a16:colId xmlns="" xmlns:a16="http://schemas.microsoft.com/office/drawing/2014/main" val="20001"/>
+                      <a16:colId xmlns:a16="http://schemas.microsoft.com/office/drawing/2014/main" xmlns="" val="20001"/>
                     </a:ext>
                   </a:extLst>
                 </a:gridCol>
@@ -4415,7 +4464,7 @@
                 </a:tc>
                 <a:extLst>
                   <a:ext uri="{0D108BD9-81ED-4DB2-BD59-A6C34878D82A}">
-                    <a16:rowId xmlns="" xmlns:a16="http://schemas.microsoft.com/office/drawing/2014/main" val="10000"/>
+                    <a16:rowId xmlns:a16="http://schemas.microsoft.com/office/drawing/2014/main" xmlns="" val="10000"/>
                   </a:ext>
                 </a:extLst>
               </a:tr>
@@ -4442,7 +4491,7 @@
                 </a:tc>
                 <a:extLst>
                   <a:ext uri="{0D108BD9-81ED-4DB2-BD59-A6C34878D82A}">
-                    <a16:rowId xmlns="" xmlns:a16="http://schemas.microsoft.com/office/drawing/2014/main" val="10001"/>
+                    <a16:rowId xmlns:a16="http://schemas.microsoft.com/office/drawing/2014/main" xmlns="" val="10001"/>
                   </a:ext>
                 </a:extLst>
               </a:tr>
@@ -4469,7 +4518,7 @@
                 </a:tc>
                 <a:extLst>
                   <a:ext uri="{0D108BD9-81ED-4DB2-BD59-A6C34878D82A}">
-                    <a16:rowId xmlns="" xmlns:a16="http://schemas.microsoft.com/office/drawing/2014/main" val="10002"/>
+                    <a16:rowId xmlns:a16="http://schemas.microsoft.com/office/drawing/2014/main" xmlns="" val="10002"/>
                   </a:ext>
                 </a:extLst>
               </a:tr>
@@ -4496,7 +4545,7 @@
                 </a:tc>
                 <a:extLst>
                   <a:ext uri="{0D108BD9-81ED-4DB2-BD59-A6C34878D82A}">
-                    <a16:rowId xmlns="" xmlns:a16="http://schemas.microsoft.com/office/drawing/2014/main" val="10003"/>
+                    <a16:rowId xmlns:a16="http://schemas.microsoft.com/office/drawing/2014/main" xmlns="" val="10003"/>
                   </a:ext>
                 </a:extLst>
               </a:tr>
@@ -4523,7 +4572,7 @@
                 </a:tc>
                 <a:extLst>
                   <a:ext uri="{0D108BD9-81ED-4DB2-BD59-A6C34878D82A}">
-                    <a16:rowId xmlns="" xmlns:a16="http://schemas.microsoft.com/office/drawing/2014/main" val="10004"/>
+                    <a16:rowId xmlns:a16="http://schemas.microsoft.com/office/drawing/2014/main" xmlns="" val="10004"/>
                   </a:ext>
                 </a:extLst>
               </a:tr>
@@ -4553,7 +4602,7 @@
                 <a:gridCol w="1828800">
                   <a:extLst>
                     <a:ext uri="{9D8B030D-6E8A-4147-A177-3AD203B41FA5}">
-                      <a16:colId xmlns="" xmlns:a16="http://schemas.microsoft.com/office/drawing/2014/main" val="20000"/>
+                      <a16:colId xmlns:a16="http://schemas.microsoft.com/office/drawing/2014/main" xmlns="" val="20000"/>
                     </a:ext>
                   </a:extLst>
                 </a:gridCol>
@@ -4575,7 +4624,7 @@
                 </a:tc>
                 <a:extLst>
                   <a:ext uri="{0D108BD9-81ED-4DB2-BD59-A6C34878D82A}">
-                    <a16:rowId xmlns="" xmlns:a16="http://schemas.microsoft.com/office/drawing/2014/main" val="10000"/>
+                    <a16:rowId xmlns:a16="http://schemas.microsoft.com/office/drawing/2014/main" xmlns="" val="10000"/>
                   </a:ext>
                 </a:extLst>
               </a:tr>
@@ -4612,7 +4661,7 @@
                 </a:tc>
                 <a:extLst>
                   <a:ext uri="{0D108BD9-81ED-4DB2-BD59-A6C34878D82A}">
-                    <a16:rowId xmlns="" xmlns:a16="http://schemas.microsoft.com/office/drawing/2014/main" val="10001"/>
+                    <a16:rowId xmlns:a16="http://schemas.microsoft.com/office/drawing/2014/main" xmlns="" val="10001"/>
                   </a:ext>
                 </a:extLst>
               </a:tr>
@@ -4637,7 +4686,7 @@
                 </a:tc>
                 <a:extLst>
                   <a:ext uri="{0D108BD9-81ED-4DB2-BD59-A6C34878D82A}">
-                    <a16:rowId xmlns="" xmlns:a16="http://schemas.microsoft.com/office/drawing/2014/main" val="10002"/>
+                    <a16:rowId xmlns:a16="http://schemas.microsoft.com/office/drawing/2014/main" xmlns="" val="10002"/>
                   </a:ext>
                 </a:extLst>
               </a:tr>
@@ -4674,7 +4723,7 @@
                 </a:tc>
                 <a:extLst>
                   <a:ext uri="{0D108BD9-81ED-4DB2-BD59-A6C34878D82A}">
-                    <a16:rowId xmlns="" xmlns:a16="http://schemas.microsoft.com/office/drawing/2014/main" val="10003"/>
+                    <a16:rowId xmlns:a16="http://schemas.microsoft.com/office/drawing/2014/main" xmlns="" val="10003"/>
                   </a:ext>
                 </a:extLst>
               </a:tr>
@@ -5122,14 +5171,14 @@
                 <a:gridCol w="1409700">
                   <a:extLst>
                     <a:ext uri="{9D8B030D-6E8A-4147-A177-3AD203B41FA5}">
-                      <a16:colId xmlns="" xmlns:a16="http://schemas.microsoft.com/office/drawing/2014/main" val="20000"/>
+                      <a16:colId xmlns:a16="http://schemas.microsoft.com/office/drawing/2014/main" xmlns="" val="20000"/>
                     </a:ext>
                   </a:extLst>
                 </a:gridCol>
                 <a:gridCol w="1409700">
                   <a:extLst>
                     <a:ext uri="{9D8B030D-6E8A-4147-A177-3AD203B41FA5}">
-                      <a16:colId xmlns="" xmlns:a16="http://schemas.microsoft.com/office/drawing/2014/main" val="20001"/>
+                      <a16:colId xmlns:a16="http://schemas.microsoft.com/office/drawing/2014/main" xmlns="" val="20001"/>
                     </a:ext>
                   </a:extLst>
                 </a:gridCol>
@@ -5167,7 +5216,7 @@
                 </a:tc>
                 <a:extLst>
                   <a:ext uri="{0D108BD9-81ED-4DB2-BD59-A6C34878D82A}">
-                    <a16:rowId xmlns="" xmlns:a16="http://schemas.microsoft.com/office/drawing/2014/main" val="10000"/>
+                    <a16:rowId xmlns:a16="http://schemas.microsoft.com/office/drawing/2014/main" xmlns="" val="10000"/>
                   </a:ext>
                 </a:extLst>
               </a:tr>
@@ -5194,7 +5243,7 @@
                 </a:tc>
                 <a:extLst>
                   <a:ext uri="{0D108BD9-81ED-4DB2-BD59-A6C34878D82A}">
-                    <a16:rowId xmlns="" xmlns:a16="http://schemas.microsoft.com/office/drawing/2014/main" val="10001"/>
+                    <a16:rowId xmlns:a16="http://schemas.microsoft.com/office/drawing/2014/main" xmlns="" val="10001"/>
                   </a:ext>
                 </a:extLst>
               </a:tr>
@@ -5221,7 +5270,7 @@
                 </a:tc>
                 <a:extLst>
                   <a:ext uri="{0D108BD9-81ED-4DB2-BD59-A6C34878D82A}">
-                    <a16:rowId xmlns="" xmlns:a16="http://schemas.microsoft.com/office/drawing/2014/main" val="10002"/>
+                    <a16:rowId xmlns:a16="http://schemas.microsoft.com/office/drawing/2014/main" xmlns="" val="10002"/>
                   </a:ext>
                 </a:extLst>
               </a:tr>
@@ -5248,7 +5297,7 @@
                 </a:tc>
                 <a:extLst>
                   <a:ext uri="{0D108BD9-81ED-4DB2-BD59-A6C34878D82A}">
-                    <a16:rowId xmlns="" xmlns:a16="http://schemas.microsoft.com/office/drawing/2014/main" val="10003"/>
+                    <a16:rowId xmlns:a16="http://schemas.microsoft.com/office/drawing/2014/main" xmlns="" val="10003"/>
                   </a:ext>
                 </a:extLst>
               </a:tr>
@@ -5275,7 +5324,7 @@
                 </a:tc>
                 <a:extLst>
                   <a:ext uri="{0D108BD9-81ED-4DB2-BD59-A6C34878D82A}">
-                    <a16:rowId xmlns="" xmlns:a16="http://schemas.microsoft.com/office/drawing/2014/main" val="10004"/>
+                    <a16:rowId xmlns:a16="http://schemas.microsoft.com/office/drawing/2014/main" xmlns="" val="10004"/>
                   </a:ext>
                 </a:extLst>
               </a:tr>
@@ -5305,7 +5354,7 @@
                 <a:gridCol w="1828800">
                   <a:extLst>
                     <a:ext uri="{9D8B030D-6E8A-4147-A177-3AD203B41FA5}">
-                      <a16:colId xmlns="" xmlns:a16="http://schemas.microsoft.com/office/drawing/2014/main" val="20000"/>
+                      <a16:colId xmlns:a16="http://schemas.microsoft.com/office/drawing/2014/main" xmlns="" val="20000"/>
                     </a:ext>
                   </a:extLst>
                 </a:gridCol>
@@ -5327,7 +5376,7 @@
                 </a:tc>
                 <a:extLst>
                   <a:ext uri="{0D108BD9-81ED-4DB2-BD59-A6C34878D82A}">
-                    <a16:rowId xmlns="" xmlns:a16="http://schemas.microsoft.com/office/drawing/2014/main" val="10000"/>
+                    <a16:rowId xmlns:a16="http://schemas.microsoft.com/office/drawing/2014/main" xmlns="" val="10000"/>
                   </a:ext>
                 </a:extLst>
               </a:tr>
@@ -5364,7 +5413,7 @@
                 </a:tc>
                 <a:extLst>
                   <a:ext uri="{0D108BD9-81ED-4DB2-BD59-A6C34878D82A}">
-                    <a16:rowId xmlns="" xmlns:a16="http://schemas.microsoft.com/office/drawing/2014/main" val="10001"/>
+                    <a16:rowId xmlns:a16="http://schemas.microsoft.com/office/drawing/2014/main" xmlns="" val="10001"/>
                   </a:ext>
                 </a:extLst>
               </a:tr>
@@ -5389,7 +5438,7 @@
                 </a:tc>
                 <a:extLst>
                   <a:ext uri="{0D108BD9-81ED-4DB2-BD59-A6C34878D82A}">
-                    <a16:rowId xmlns="" xmlns:a16="http://schemas.microsoft.com/office/drawing/2014/main" val="10002"/>
+                    <a16:rowId xmlns:a16="http://schemas.microsoft.com/office/drawing/2014/main" xmlns="" val="10002"/>
                   </a:ext>
                 </a:extLst>
               </a:tr>
@@ -5426,7 +5475,7 @@
                 </a:tc>
                 <a:extLst>
                   <a:ext uri="{0D108BD9-81ED-4DB2-BD59-A6C34878D82A}">
-                    <a16:rowId xmlns="" xmlns:a16="http://schemas.microsoft.com/office/drawing/2014/main" val="10003"/>
+                    <a16:rowId xmlns:a16="http://schemas.microsoft.com/office/drawing/2014/main" xmlns="" val="10003"/>
                   </a:ext>
                 </a:extLst>
               </a:tr>
@@ -5937,14 +5986,14 @@
                 <a:gridCol w="1409700">
                   <a:extLst>
                     <a:ext uri="{9D8B030D-6E8A-4147-A177-3AD203B41FA5}">
-                      <a16:colId xmlns="" xmlns:a16="http://schemas.microsoft.com/office/drawing/2014/main" val="20000"/>
+                      <a16:colId xmlns:a16="http://schemas.microsoft.com/office/drawing/2014/main" xmlns="" val="20000"/>
                     </a:ext>
                   </a:extLst>
                 </a:gridCol>
                 <a:gridCol w="1409700">
                   <a:extLst>
                     <a:ext uri="{9D8B030D-6E8A-4147-A177-3AD203B41FA5}">
-                      <a16:colId xmlns="" xmlns:a16="http://schemas.microsoft.com/office/drawing/2014/main" val="20001"/>
+                      <a16:colId xmlns:a16="http://schemas.microsoft.com/office/drawing/2014/main" xmlns="" val="20001"/>
                     </a:ext>
                   </a:extLst>
                 </a:gridCol>
@@ -5982,7 +6031,7 @@
                 </a:tc>
                 <a:extLst>
                   <a:ext uri="{0D108BD9-81ED-4DB2-BD59-A6C34878D82A}">
-                    <a16:rowId xmlns="" xmlns:a16="http://schemas.microsoft.com/office/drawing/2014/main" val="10000"/>
+                    <a16:rowId xmlns:a16="http://schemas.microsoft.com/office/drawing/2014/main" xmlns="" val="10000"/>
                   </a:ext>
                 </a:extLst>
               </a:tr>
@@ -6009,7 +6058,7 @@
                 </a:tc>
                 <a:extLst>
                   <a:ext uri="{0D108BD9-81ED-4DB2-BD59-A6C34878D82A}">
-                    <a16:rowId xmlns="" xmlns:a16="http://schemas.microsoft.com/office/drawing/2014/main" val="10001"/>
+                    <a16:rowId xmlns:a16="http://schemas.microsoft.com/office/drawing/2014/main" xmlns="" val="10001"/>
                   </a:ext>
                 </a:extLst>
               </a:tr>
@@ -6036,7 +6085,7 @@
                 </a:tc>
                 <a:extLst>
                   <a:ext uri="{0D108BD9-81ED-4DB2-BD59-A6C34878D82A}">
-                    <a16:rowId xmlns="" xmlns:a16="http://schemas.microsoft.com/office/drawing/2014/main" val="10002"/>
+                    <a16:rowId xmlns:a16="http://schemas.microsoft.com/office/drawing/2014/main" xmlns="" val="10002"/>
                   </a:ext>
                 </a:extLst>
               </a:tr>
@@ -6063,7 +6112,7 @@
                 </a:tc>
                 <a:extLst>
                   <a:ext uri="{0D108BD9-81ED-4DB2-BD59-A6C34878D82A}">
-                    <a16:rowId xmlns="" xmlns:a16="http://schemas.microsoft.com/office/drawing/2014/main" val="10003"/>
+                    <a16:rowId xmlns:a16="http://schemas.microsoft.com/office/drawing/2014/main" xmlns="" val="10003"/>
                   </a:ext>
                 </a:extLst>
               </a:tr>
@@ -6090,7 +6139,7 @@
                 </a:tc>
                 <a:extLst>
                   <a:ext uri="{0D108BD9-81ED-4DB2-BD59-A6C34878D82A}">
-                    <a16:rowId xmlns="" xmlns:a16="http://schemas.microsoft.com/office/drawing/2014/main" val="10004"/>
+                    <a16:rowId xmlns:a16="http://schemas.microsoft.com/office/drawing/2014/main" xmlns="" val="10004"/>
                   </a:ext>
                 </a:extLst>
               </a:tr>
@@ -6120,7 +6169,7 @@
                 <a:gridCol w="1828800">
                   <a:extLst>
                     <a:ext uri="{9D8B030D-6E8A-4147-A177-3AD203B41FA5}">
-                      <a16:colId xmlns="" xmlns:a16="http://schemas.microsoft.com/office/drawing/2014/main" val="20000"/>
+                      <a16:colId xmlns:a16="http://schemas.microsoft.com/office/drawing/2014/main" xmlns="" val="20000"/>
                     </a:ext>
                   </a:extLst>
                 </a:gridCol>
@@ -6142,7 +6191,7 @@
                 </a:tc>
                 <a:extLst>
                   <a:ext uri="{0D108BD9-81ED-4DB2-BD59-A6C34878D82A}">
-                    <a16:rowId xmlns="" xmlns:a16="http://schemas.microsoft.com/office/drawing/2014/main" val="10000"/>
+                    <a16:rowId xmlns:a16="http://schemas.microsoft.com/office/drawing/2014/main" xmlns="" val="10000"/>
                   </a:ext>
                 </a:extLst>
               </a:tr>
@@ -6179,7 +6228,7 @@
                 </a:tc>
                 <a:extLst>
                   <a:ext uri="{0D108BD9-81ED-4DB2-BD59-A6C34878D82A}">
-                    <a16:rowId xmlns="" xmlns:a16="http://schemas.microsoft.com/office/drawing/2014/main" val="10001"/>
+                    <a16:rowId xmlns:a16="http://schemas.microsoft.com/office/drawing/2014/main" xmlns="" val="10001"/>
                   </a:ext>
                 </a:extLst>
               </a:tr>
@@ -6204,7 +6253,7 @@
                 </a:tc>
                 <a:extLst>
                   <a:ext uri="{0D108BD9-81ED-4DB2-BD59-A6C34878D82A}">
-                    <a16:rowId xmlns="" xmlns:a16="http://schemas.microsoft.com/office/drawing/2014/main" val="10002"/>
+                    <a16:rowId xmlns:a16="http://schemas.microsoft.com/office/drawing/2014/main" xmlns="" val="10002"/>
                   </a:ext>
                 </a:extLst>
               </a:tr>
@@ -6241,7 +6290,7 @@
                 </a:tc>
                 <a:extLst>
                   <a:ext uri="{0D108BD9-81ED-4DB2-BD59-A6C34878D82A}">
-                    <a16:rowId xmlns="" xmlns:a16="http://schemas.microsoft.com/office/drawing/2014/main" val="10003"/>
+                    <a16:rowId xmlns:a16="http://schemas.microsoft.com/office/drawing/2014/main" xmlns="" val="10003"/>
                   </a:ext>
                 </a:extLst>
               </a:tr>
@@ -6497,7 +6546,19 @@
             </a:pPr>
             <a:r>
               <a:rPr lang="en-US" sz="1600" dirty="0" smtClean="0"/>
-              <a:t>Use of an undefined variable results in a Run-Time program error</a:t>
+              <a:t>Use of an undefined variable results in a </a:t>
+            </a:r>
+            <a:r>
+              <a:rPr lang="en-US" sz="1600" b="1" dirty="0" smtClean="0">
+                <a:solidFill>
+                  <a:srgbClr val="FF0000"/>
+                </a:solidFill>
+              </a:rPr>
+              <a:t>Run-Time</a:t>
+            </a:r>
+            <a:r>
+              <a:rPr lang="en-US" sz="1600" dirty="0" smtClean="0"/>
+              <a:t> program error</a:t>
             </a:r>
             <a:endParaRPr lang="en-US" sz="1600" dirty="0"/>
           </a:p>
@@ -6752,14 +6813,14 @@
                 <a:gridCol w="1409700">
                   <a:extLst>
                     <a:ext uri="{9D8B030D-6E8A-4147-A177-3AD203B41FA5}">
-                      <a16:colId xmlns="" xmlns:a16="http://schemas.microsoft.com/office/drawing/2014/main" val="20000"/>
+                      <a16:colId xmlns:a16="http://schemas.microsoft.com/office/drawing/2014/main" xmlns="" val="20000"/>
                     </a:ext>
                   </a:extLst>
                 </a:gridCol>
                 <a:gridCol w="1409700">
                   <a:extLst>
                     <a:ext uri="{9D8B030D-6E8A-4147-A177-3AD203B41FA5}">
-                      <a16:colId xmlns="" xmlns:a16="http://schemas.microsoft.com/office/drawing/2014/main" val="20001"/>
+                      <a16:colId xmlns:a16="http://schemas.microsoft.com/office/drawing/2014/main" xmlns="" val="20001"/>
                     </a:ext>
                   </a:extLst>
                 </a:gridCol>
@@ -6797,7 +6858,7 @@
                 </a:tc>
                 <a:extLst>
                   <a:ext uri="{0D108BD9-81ED-4DB2-BD59-A6C34878D82A}">
-                    <a16:rowId xmlns="" xmlns:a16="http://schemas.microsoft.com/office/drawing/2014/main" val="10000"/>
+                    <a16:rowId xmlns:a16="http://schemas.microsoft.com/office/drawing/2014/main" xmlns="" val="10000"/>
                   </a:ext>
                 </a:extLst>
               </a:tr>
@@ -6842,7 +6903,7 @@
                 </a:tc>
                 <a:extLst>
                   <a:ext uri="{0D108BD9-81ED-4DB2-BD59-A6C34878D82A}">
-                    <a16:rowId xmlns="" xmlns:a16="http://schemas.microsoft.com/office/drawing/2014/main" val="10001"/>
+                    <a16:rowId xmlns:a16="http://schemas.microsoft.com/office/drawing/2014/main" xmlns="" val="10001"/>
                   </a:ext>
                 </a:extLst>
               </a:tr>
@@ -6871,7 +6932,7 @@
                 </a:tc>
                 <a:extLst>
                   <a:ext uri="{0D108BD9-81ED-4DB2-BD59-A6C34878D82A}">
-                    <a16:rowId xmlns="" xmlns:a16="http://schemas.microsoft.com/office/drawing/2014/main" val="10002"/>
+                    <a16:rowId xmlns:a16="http://schemas.microsoft.com/office/drawing/2014/main" xmlns="" val="10002"/>
                   </a:ext>
                 </a:extLst>
               </a:tr>
@@ -6900,7 +6961,7 @@
                 </a:tc>
                 <a:extLst>
                   <a:ext uri="{0D108BD9-81ED-4DB2-BD59-A6C34878D82A}">
-                    <a16:rowId xmlns="" xmlns:a16="http://schemas.microsoft.com/office/drawing/2014/main" val="10003"/>
+                    <a16:rowId xmlns:a16="http://schemas.microsoft.com/office/drawing/2014/main" xmlns="" val="10003"/>
                   </a:ext>
                 </a:extLst>
               </a:tr>
@@ -6929,7 +6990,7 @@
                 </a:tc>
                 <a:extLst>
                   <a:ext uri="{0D108BD9-81ED-4DB2-BD59-A6C34878D82A}">
-                    <a16:rowId xmlns="" xmlns:a16="http://schemas.microsoft.com/office/drawing/2014/main" val="10004"/>
+                    <a16:rowId xmlns:a16="http://schemas.microsoft.com/office/drawing/2014/main" xmlns="" val="10004"/>
                   </a:ext>
                 </a:extLst>
               </a:tr>
@@ -6959,7 +7020,7 @@
                 <a:gridCol w="1828800">
                   <a:extLst>
                     <a:ext uri="{9D8B030D-6E8A-4147-A177-3AD203B41FA5}">
-                      <a16:colId xmlns="" xmlns:a16="http://schemas.microsoft.com/office/drawing/2014/main" val="20000"/>
+                      <a16:colId xmlns:a16="http://schemas.microsoft.com/office/drawing/2014/main" xmlns="" val="20000"/>
                     </a:ext>
                   </a:extLst>
                 </a:gridCol>
@@ -6981,7 +7042,7 @@
                 </a:tc>
                 <a:extLst>
                   <a:ext uri="{0D108BD9-81ED-4DB2-BD59-A6C34878D82A}">
-                    <a16:rowId xmlns="" xmlns:a16="http://schemas.microsoft.com/office/drawing/2014/main" val="10000"/>
+                    <a16:rowId xmlns:a16="http://schemas.microsoft.com/office/drawing/2014/main" xmlns="" val="10000"/>
                   </a:ext>
                 </a:extLst>
               </a:tr>
@@ -7006,7 +7067,7 @@
                 </a:tc>
                 <a:extLst>
                   <a:ext uri="{0D108BD9-81ED-4DB2-BD59-A6C34878D82A}">
-                    <a16:rowId xmlns="" xmlns:a16="http://schemas.microsoft.com/office/drawing/2014/main" val="10001"/>
+                    <a16:rowId xmlns:a16="http://schemas.microsoft.com/office/drawing/2014/main" xmlns="" val="10001"/>
                   </a:ext>
                 </a:extLst>
               </a:tr>
@@ -7552,14 +7613,14 @@
                 <a:gridCol w="1409700">
                   <a:extLst>
                     <a:ext uri="{9D8B030D-6E8A-4147-A177-3AD203B41FA5}">
-                      <a16:colId xmlns="" xmlns:a16="http://schemas.microsoft.com/office/drawing/2014/main" val="20000"/>
+                      <a16:colId xmlns:a16="http://schemas.microsoft.com/office/drawing/2014/main" xmlns="" val="20000"/>
                     </a:ext>
                   </a:extLst>
                 </a:gridCol>
                 <a:gridCol w="1409700">
                   <a:extLst>
                     <a:ext uri="{9D8B030D-6E8A-4147-A177-3AD203B41FA5}">
-                      <a16:colId xmlns="" xmlns:a16="http://schemas.microsoft.com/office/drawing/2014/main" val="20001"/>
+                      <a16:colId xmlns:a16="http://schemas.microsoft.com/office/drawing/2014/main" xmlns="" val="20001"/>
                     </a:ext>
                   </a:extLst>
                 </a:gridCol>
@@ -7597,7 +7658,7 @@
                 </a:tc>
                 <a:extLst>
                   <a:ext uri="{0D108BD9-81ED-4DB2-BD59-A6C34878D82A}">
-                    <a16:rowId xmlns="" xmlns:a16="http://schemas.microsoft.com/office/drawing/2014/main" val="10000"/>
+                    <a16:rowId xmlns:a16="http://schemas.microsoft.com/office/drawing/2014/main" xmlns="" val="10000"/>
                   </a:ext>
                 </a:extLst>
               </a:tr>
@@ -7650,7 +7711,7 @@
                 </a:tc>
                 <a:extLst>
                   <a:ext uri="{0D108BD9-81ED-4DB2-BD59-A6C34878D82A}">
-                    <a16:rowId xmlns="" xmlns:a16="http://schemas.microsoft.com/office/drawing/2014/main" val="10001"/>
+                    <a16:rowId xmlns:a16="http://schemas.microsoft.com/office/drawing/2014/main" xmlns="" val="10001"/>
                   </a:ext>
                 </a:extLst>
               </a:tr>
@@ -7679,7 +7740,7 @@
                 </a:tc>
                 <a:extLst>
                   <a:ext uri="{0D108BD9-81ED-4DB2-BD59-A6C34878D82A}">
-                    <a16:rowId xmlns="" xmlns:a16="http://schemas.microsoft.com/office/drawing/2014/main" val="10002"/>
+                    <a16:rowId xmlns:a16="http://schemas.microsoft.com/office/drawing/2014/main" xmlns="" val="10002"/>
                   </a:ext>
                 </a:extLst>
               </a:tr>
@@ -7708,7 +7769,7 @@
                 </a:tc>
                 <a:extLst>
                   <a:ext uri="{0D108BD9-81ED-4DB2-BD59-A6C34878D82A}">
-                    <a16:rowId xmlns="" xmlns:a16="http://schemas.microsoft.com/office/drawing/2014/main" val="10003"/>
+                    <a16:rowId xmlns:a16="http://schemas.microsoft.com/office/drawing/2014/main" xmlns="" val="10003"/>
                   </a:ext>
                 </a:extLst>
               </a:tr>
@@ -7737,7 +7798,7 @@
                 </a:tc>
                 <a:extLst>
                   <a:ext uri="{0D108BD9-81ED-4DB2-BD59-A6C34878D82A}">
-                    <a16:rowId xmlns="" xmlns:a16="http://schemas.microsoft.com/office/drawing/2014/main" val="10004"/>
+                    <a16:rowId xmlns:a16="http://schemas.microsoft.com/office/drawing/2014/main" xmlns="" val="10004"/>
                   </a:ext>
                 </a:extLst>
               </a:tr>
@@ -7767,7 +7828,7 @@
                 <a:gridCol w="1828800">
                   <a:extLst>
                     <a:ext uri="{9D8B030D-6E8A-4147-A177-3AD203B41FA5}">
-                      <a16:colId xmlns="" xmlns:a16="http://schemas.microsoft.com/office/drawing/2014/main" val="20000"/>
+                      <a16:colId xmlns:a16="http://schemas.microsoft.com/office/drawing/2014/main" xmlns="" val="20000"/>
                     </a:ext>
                   </a:extLst>
                 </a:gridCol>
@@ -7789,7 +7850,7 @@
                 </a:tc>
                 <a:extLst>
                   <a:ext uri="{0D108BD9-81ED-4DB2-BD59-A6C34878D82A}">
-                    <a16:rowId xmlns="" xmlns:a16="http://schemas.microsoft.com/office/drawing/2014/main" val="10000"/>
+                    <a16:rowId xmlns:a16="http://schemas.microsoft.com/office/drawing/2014/main" xmlns="" val="10000"/>
                   </a:ext>
                 </a:extLst>
               </a:tr>
@@ -7814,7 +7875,7 @@
                 </a:tc>
                 <a:extLst>
                   <a:ext uri="{0D108BD9-81ED-4DB2-BD59-A6C34878D82A}">
-                    <a16:rowId xmlns="" xmlns:a16="http://schemas.microsoft.com/office/drawing/2014/main" val="10001"/>
+                    <a16:rowId xmlns:a16="http://schemas.microsoft.com/office/drawing/2014/main" xmlns="" val="10001"/>
                   </a:ext>
                 </a:extLst>
               </a:tr>
@@ -8037,7 +8098,7 @@
         </p:spPr>
         <p:txBody>
           <a:bodyPr>
-            <a:normAutofit lnSpcReduction="10000"/>
+            <a:normAutofit fontScale="92500" lnSpcReduction="20000"/>
           </a:bodyPr>
           <a:lstStyle/>
           <a:p>
@@ -8073,7 +8134,34 @@
             <a:pPr lvl="1"/>
             <a:r>
               <a:rPr lang="en-CA" sz="1800" dirty="0" smtClean="0"/>
-              <a:t>A name cannot be the same as a built-in command or keyword</a:t>
+              <a:t>But a name cannot begin with a number</a:t>
+            </a:r>
+          </a:p>
+          <a:p>
+            <a:pPr lvl="2"/>
+            <a:r>
+              <a:rPr lang="en-CA" sz="1400" dirty="0"/>
+              <a:t>e.g. NOT </a:t>
+            </a:r>
+            <a:r>
+              <a:rPr lang="en-CA" sz="1400" dirty="0" smtClean="0">
+                <a:solidFill>
+                  <a:srgbClr val="FF0000"/>
+                </a:solidFill>
+              </a:rPr>
+              <a:t>5abcd = 5</a:t>
+            </a:r>
+            <a:endParaRPr lang="en-CA" sz="1400" dirty="0" smtClean="0"/>
+          </a:p>
+          <a:p>
+            <a:pPr lvl="1"/>
+            <a:r>
+              <a:rPr lang="en-CA" sz="1800" dirty="0" smtClean="0"/>
+              <a:t>Or </a:t>
+            </a:r>
+            <a:r>
+              <a:rPr lang="en-CA" sz="1800" dirty="0" smtClean="0"/>
+              <a:t>be the same as a built-in command or keyword</a:t>
             </a:r>
           </a:p>
           <a:p>
@@ -8098,7 +8186,22 @@
           <a:p>
             <a:r>
               <a:rPr lang="en-CA" sz="2000" dirty="0" smtClean="0"/>
-              <a:t>To make Python code more readable we use style conventions</a:t>
+              <a:t>To make Python code more readable we use </a:t>
+            </a:r>
+            <a:r>
+              <a:rPr lang="en-CA" sz="2000" dirty="0" smtClean="0"/>
+              <a:t/>
+            </a:r>
+            <a:br>
+              <a:rPr lang="en-CA" sz="2000" dirty="0" smtClean="0"/>
+            </a:br>
+            <a:r>
+              <a:rPr lang="en-CA" sz="2000" dirty="0" smtClean="0"/>
+              <a:t>style </a:t>
+            </a:r>
+            <a:r>
+              <a:rPr lang="en-CA" sz="2000" dirty="0" smtClean="0"/>
+              <a:t>conventions</a:t>
             </a:r>
           </a:p>
           <a:p>
@@ -8177,11 +8280,9 @@
             </a:r>
           </a:p>
           <a:p>
-            <a:pPr lvl="2"/>
-            <a:endParaRPr lang="en-CA" sz="1400" dirty="0" smtClean="0"/>
-          </a:p>
-          <a:p>
-            <a:pPr lvl="2"/>
+            <a:pPr marL="914400" lvl="2" indent="0">
+              <a:buNone/>
+            </a:pPr>
             <a:endParaRPr lang="en-CA" sz="1400" dirty="0" smtClean="0"/>
           </a:p>
           <a:p>
@@ -8213,14 +8314,19 @@
           <p:nvPr/>
         </p:nvSpPr>
         <p:spPr>
-          <a:xfrm>
-            <a:off x="5181600" y="5029200"/>
-            <a:ext cx="3665812" cy="523220"/>
+          <a:xfrm rot="503023">
+            <a:off x="5542055" y="3530769"/>
+            <a:ext cx="3441390" cy="1015663"/>
           </a:xfrm>
           <a:prstGeom prst="rect">
             <a:avLst/>
           </a:prstGeom>
           <a:noFill/>
+          <a:ln>
+            <a:solidFill>
+              <a:srgbClr val="FF0000"/>
+            </a:solidFill>
+          </a:ln>
         </p:spPr>
         <p:txBody>
           <a:bodyPr wrap="none" rtlCol="0">
@@ -8228,23 +8334,31 @@
           </a:bodyPr>
           <a:lstStyle/>
           <a:p>
+            <a:pPr algn="ctr"/>
             <a:r>
               <a:rPr lang="en-CA" sz="2800" b="1" dirty="0" smtClean="0">
                 <a:solidFill>
                   <a:srgbClr val="FF0000"/>
                 </a:solidFill>
               </a:rPr>
-              <a:t>e.g. </a:t>
-            </a:r>
-            <a:r>
-              <a:rPr lang="en-CA" sz="2800" b="1" dirty="0" err="1" smtClean="0">
+              <a:t>Style Example: </a:t>
+            </a:r>
+            <a:br>
+              <a:rPr lang="en-CA" sz="2800" b="1" dirty="0" smtClean="0">
+                <a:solidFill>
+                  <a:srgbClr val="FF0000"/>
+                </a:solidFill>
+              </a:rPr>
+            </a:br>
+            <a:r>
+              <a:rPr lang="en-CA" sz="3200" b="1" dirty="0" err="1" smtClean="0">
                 <a:solidFill>
                   <a:srgbClr val="FF0000"/>
                 </a:solidFill>
               </a:rPr>
               <a:t>numberOfStudents</a:t>
             </a:r>
-            <a:endParaRPr lang="en-US" sz="2800" b="1" dirty="0">
+            <a:endParaRPr lang="en-US" sz="3200" b="1" dirty="0">
               <a:solidFill>
                 <a:srgbClr val="FF0000"/>
               </a:solidFill>
@@ -8335,7 +8449,6 @@
               <a:rPr lang="en-US" sz="2000" dirty="0" smtClean="0"/>
               <a:t>Python supports all of the usual math operators</a:t>
             </a:r>
-            <a:endParaRPr lang="en-US" sz="2000" dirty="0" smtClean="0"/>
           </a:p>
           <a:p>
             <a:pPr marL="914400" lvl="1" indent="-514350">
@@ -8377,13 +8490,8 @@
             </a:pPr>
             <a:r>
               <a:rPr lang="en-US" sz="2000" dirty="0" smtClean="0"/>
-              <a:t>The </a:t>
-            </a:r>
-            <a:r>
-              <a:rPr lang="en-US" sz="2000" dirty="0" smtClean="0"/>
-              <a:t>variable is assigned the result of the Expression</a:t>
-            </a:r>
-            <a:endParaRPr lang="en-US" sz="2000" dirty="0" smtClean="0"/>
+              <a:t>The variable is assigned the result of the Expression</a:t>
+            </a:r>
           </a:p>
         </p:txBody>
       </p:sp>
@@ -8636,14 +8744,14 @@
                 <a:gridCol w="1409700">
                   <a:extLst>
                     <a:ext uri="{9D8B030D-6E8A-4147-A177-3AD203B41FA5}">
-                      <a16:colId xmlns="" xmlns:a16="http://schemas.microsoft.com/office/drawing/2014/main" val="20000"/>
+                      <a16:colId xmlns:a16="http://schemas.microsoft.com/office/drawing/2014/main" xmlns="" val="20000"/>
                     </a:ext>
                   </a:extLst>
                 </a:gridCol>
                 <a:gridCol w="1409700">
                   <a:extLst>
                     <a:ext uri="{9D8B030D-6E8A-4147-A177-3AD203B41FA5}">
-                      <a16:colId xmlns="" xmlns:a16="http://schemas.microsoft.com/office/drawing/2014/main" val="20001"/>
+                      <a16:colId xmlns:a16="http://schemas.microsoft.com/office/drawing/2014/main" xmlns="" val="20001"/>
                     </a:ext>
                   </a:extLst>
                 </a:gridCol>
@@ -8681,7 +8789,7 @@
                 </a:tc>
                 <a:extLst>
                   <a:ext uri="{0D108BD9-81ED-4DB2-BD59-A6C34878D82A}">
-                    <a16:rowId xmlns="" xmlns:a16="http://schemas.microsoft.com/office/drawing/2014/main" val="10000"/>
+                    <a16:rowId xmlns:a16="http://schemas.microsoft.com/office/drawing/2014/main" xmlns="" val="10000"/>
                   </a:ext>
                 </a:extLst>
               </a:tr>
@@ -8734,7 +8842,7 @@
                 </a:tc>
                 <a:extLst>
                   <a:ext uri="{0D108BD9-81ED-4DB2-BD59-A6C34878D82A}">
-                    <a16:rowId xmlns="" xmlns:a16="http://schemas.microsoft.com/office/drawing/2014/main" val="10001"/>
+                    <a16:rowId xmlns:a16="http://schemas.microsoft.com/office/drawing/2014/main" xmlns="" val="10001"/>
                   </a:ext>
                 </a:extLst>
               </a:tr>
@@ -8763,7 +8871,7 @@
                 </a:tc>
                 <a:extLst>
                   <a:ext uri="{0D108BD9-81ED-4DB2-BD59-A6C34878D82A}">
-                    <a16:rowId xmlns="" xmlns:a16="http://schemas.microsoft.com/office/drawing/2014/main" val="10002"/>
+                    <a16:rowId xmlns:a16="http://schemas.microsoft.com/office/drawing/2014/main" xmlns="" val="10002"/>
                   </a:ext>
                 </a:extLst>
               </a:tr>
@@ -8792,7 +8900,7 @@
                 </a:tc>
                 <a:extLst>
                   <a:ext uri="{0D108BD9-81ED-4DB2-BD59-A6C34878D82A}">
-                    <a16:rowId xmlns="" xmlns:a16="http://schemas.microsoft.com/office/drawing/2014/main" val="10003"/>
+                    <a16:rowId xmlns:a16="http://schemas.microsoft.com/office/drawing/2014/main" xmlns="" val="10003"/>
                   </a:ext>
                 </a:extLst>
               </a:tr>
@@ -8821,7 +8929,7 @@
                 </a:tc>
                 <a:extLst>
                   <a:ext uri="{0D108BD9-81ED-4DB2-BD59-A6C34878D82A}">
-                    <a16:rowId xmlns="" xmlns:a16="http://schemas.microsoft.com/office/drawing/2014/main" val="10004"/>
+                    <a16:rowId xmlns:a16="http://schemas.microsoft.com/office/drawing/2014/main" xmlns="" val="10004"/>
                   </a:ext>
                 </a:extLst>
               </a:tr>
@@ -8851,7 +8959,7 @@
                 <a:gridCol w="1828800">
                   <a:extLst>
                     <a:ext uri="{9D8B030D-6E8A-4147-A177-3AD203B41FA5}">
-                      <a16:colId xmlns="" xmlns:a16="http://schemas.microsoft.com/office/drawing/2014/main" val="20000"/>
+                      <a16:colId xmlns:a16="http://schemas.microsoft.com/office/drawing/2014/main" xmlns="" val="20000"/>
                     </a:ext>
                   </a:extLst>
                 </a:gridCol>
@@ -8873,7 +8981,7 @@
                 </a:tc>
                 <a:extLst>
                   <a:ext uri="{0D108BD9-81ED-4DB2-BD59-A6C34878D82A}">
-                    <a16:rowId xmlns="" xmlns:a16="http://schemas.microsoft.com/office/drawing/2014/main" val="10000"/>
+                    <a16:rowId xmlns:a16="http://schemas.microsoft.com/office/drawing/2014/main" xmlns="" val="10000"/>
                   </a:ext>
                 </a:extLst>
               </a:tr>
@@ -8898,7 +9006,7 @@
                 </a:tc>
                 <a:extLst>
                   <a:ext uri="{0D108BD9-81ED-4DB2-BD59-A6C34878D82A}">
-                    <a16:rowId xmlns="" xmlns:a16="http://schemas.microsoft.com/office/drawing/2014/main" val="10001"/>
+                    <a16:rowId xmlns:a16="http://schemas.microsoft.com/office/drawing/2014/main" xmlns="" val="10001"/>
                   </a:ext>
                 </a:extLst>
               </a:tr>
@@ -8942,29 +9050,8 @@
                   <a:srgbClr val="C00000"/>
                 </a:solidFill>
               </a:rPr>
-              <a:t> </a:t>
-            </a:r>
-            <a:r>
-              <a:rPr lang="en-US" sz="2000" b="1" dirty="0" smtClean="0">
-                <a:solidFill>
-                  <a:srgbClr val="C00000"/>
-                </a:solidFill>
-              </a:rPr>
-              <a:t>= </a:t>
-            </a:r>
-            <a:r>
-              <a:rPr lang="en-US" sz="2000" b="1" dirty="0" smtClean="0">
-                <a:solidFill>
-                  <a:srgbClr val="C00000"/>
-                </a:solidFill>
-              </a:rPr>
-              <a:t>3 + 10 * 4</a:t>
-            </a:r>
-            <a:endParaRPr lang="en-US" sz="2000" b="1" dirty="0" smtClean="0">
-              <a:solidFill>
-                <a:srgbClr val="C00000"/>
-              </a:solidFill>
-            </a:endParaRPr>
+              <a:t> = 3 + 10 * 4</a:t>
+            </a:r>
           </a:p>
           <a:p>
             <a:r>
@@ -9144,17 +9231,8 @@
             </a:pPr>
             <a:r>
               <a:rPr lang="en-US" sz="2000" dirty="0" smtClean="0"/>
-              <a:t>Variables </a:t>
-            </a:r>
-            <a:r>
-              <a:rPr lang="en-US" sz="2000" dirty="0" smtClean="0"/>
-              <a:t>can </a:t>
-            </a:r>
-            <a:r>
-              <a:rPr lang="en-US" sz="2000" dirty="0" smtClean="0"/>
-              <a:t>also be used in an expression</a:t>
-            </a:r>
-            <a:endParaRPr lang="en-US" sz="2000" dirty="0" smtClean="0"/>
+              <a:t>Variables can also be used in an expression</a:t>
+            </a:r>
           </a:p>
           <a:p>
             <a:pPr marL="914400" lvl="1" indent="-514350">
@@ -9190,7 +9268,6 @@
               <a:rPr lang="en-US" sz="2000" dirty="0" smtClean="0"/>
               <a:t>Variables add flexibility to computer programs</a:t>
             </a:r>
-            <a:endParaRPr lang="en-US" sz="2000" dirty="0" smtClean="0"/>
           </a:p>
         </p:txBody>
       </p:sp>
@@ -9424,7 +9501,7 @@
           <p:nvPr>
             <p:extLst>
               <p:ext uri="{D42A27DB-BD31-4B8C-83A1-F6EECF244321}">
-                <p14:modId xmlns:p14="http://schemas.microsoft.com/office/powerpoint/2010/main" val="3894837010"/>
+                <p14:modId xmlns:p14="http://schemas.microsoft.com/office/powerpoint/2010/main" val="3400874130"/>
               </p:ext>
             </p:extLst>
           </p:nvPr>
@@ -9443,14 +9520,14 @@
                 <a:gridCol w="1409700">
                   <a:extLst>
                     <a:ext uri="{9D8B030D-6E8A-4147-A177-3AD203B41FA5}">
-                      <a16:colId xmlns="" xmlns:a16="http://schemas.microsoft.com/office/drawing/2014/main" val="20000"/>
+                      <a16:colId xmlns:a16="http://schemas.microsoft.com/office/drawing/2014/main" xmlns="" val="20000"/>
                     </a:ext>
                   </a:extLst>
                 </a:gridCol>
                 <a:gridCol w="1409700">
                   <a:extLst>
                     <a:ext uri="{9D8B030D-6E8A-4147-A177-3AD203B41FA5}">
-                      <a16:colId xmlns="" xmlns:a16="http://schemas.microsoft.com/office/drawing/2014/main" val="20001"/>
+                      <a16:colId xmlns:a16="http://schemas.microsoft.com/office/drawing/2014/main" xmlns="" val="20001"/>
                     </a:ext>
                   </a:extLst>
                 </a:gridCol>
@@ -9488,7 +9565,7 @@
                 </a:tc>
                 <a:extLst>
                   <a:ext uri="{0D108BD9-81ED-4DB2-BD59-A6C34878D82A}">
-                    <a16:rowId xmlns="" xmlns:a16="http://schemas.microsoft.com/office/drawing/2014/main" val="10000"/>
+                    <a16:rowId xmlns:a16="http://schemas.microsoft.com/office/drawing/2014/main" xmlns="" val="10000"/>
                   </a:ext>
                 </a:extLst>
               </a:tr>
@@ -9505,7 +9582,7 @@
                             <a:srgbClr val="FF0000"/>
                           </a:solidFill>
                         </a:rPr>
-                        <a:t>myNumber</a:t>
+                        <a:t>aNumber</a:t>
                       </a:r>
                       <a:endParaRPr lang="en-US" sz="1400" dirty="0">
                         <a:solidFill>
@@ -9541,7 +9618,7 @@
                 </a:tc>
                 <a:extLst>
                   <a:ext uri="{0D108BD9-81ED-4DB2-BD59-A6C34878D82A}">
-                    <a16:rowId xmlns="" xmlns:a16="http://schemas.microsoft.com/office/drawing/2014/main" val="10001"/>
+                    <a16:rowId xmlns:a16="http://schemas.microsoft.com/office/drawing/2014/main" xmlns="" val="10001"/>
                   </a:ext>
                 </a:extLst>
               </a:tr>
@@ -9610,7 +9687,7 @@
                 </a:tc>
                 <a:extLst>
                   <a:ext uri="{0D108BD9-81ED-4DB2-BD59-A6C34878D82A}">
-                    <a16:rowId xmlns="" xmlns:a16="http://schemas.microsoft.com/office/drawing/2014/main" val="10002"/>
+                    <a16:rowId xmlns:a16="http://schemas.microsoft.com/office/drawing/2014/main" xmlns="" val="10002"/>
                   </a:ext>
                 </a:extLst>
               </a:tr>
@@ -9639,7 +9716,7 @@
                 </a:tc>
                 <a:extLst>
                   <a:ext uri="{0D108BD9-81ED-4DB2-BD59-A6C34878D82A}">
-                    <a16:rowId xmlns="" xmlns:a16="http://schemas.microsoft.com/office/drawing/2014/main" val="10003"/>
+                    <a16:rowId xmlns:a16="http://schemas.microsoft.com/office/drawing/2014/main" xmlns="" val="10003"/>
                   </a:ext>
                 </a:extLst>
               </a:tr>
@@ -9668,7 +9745,7 @@
                 </a:tc>
                 <a:extLst>
                   <a:ext uri="{0D108BD9-81ED-4DB2-BD59-A6C34878D82A}">
-                    <a16:rowId xmlns="" xmlns:a16="http://schemas.microsoft.com/office/drawing/2014/main" val="10004"/>
+                    <a16:rowId xmlns:a16="http://schemas.microsoft.com/office/drawing/2014/main" xmlns="" val="10004"/>
                   </a:ext>
                 </a:extLst>
               </a:tr>
@@ -9698,7 +9775,7 @@
                 <a:gridCol w="1828800">
                   <a:extLst>
                     <a:ext uri="{9D8B030D-6E8A-4147-A177-3AD203B41FA5}">
-                      <a16:colId xmlns="" xmlns:a16="http://schemas.microsoft.com/office/drawing/2014/main" val="20000"/>
+                      <a16:colId xmlns:a16="http://schemas.microsoft.com/office/drawing/2014/main" xmlns="" val="20000"/>
                     </a:ext>
                   </a:extLst>
                 </a:gridCol>
@@ -9720,7 +9797,7 @@
                 </a:tc>
                 <a:extLst>
                   <a:ext uri="{0D108BD9-81ED-4DB2-BD59-A6C34878D82A}">
-                    <a16:rowId xmlns="" xmlns:a16="http://schemas.microsoft.com/office/drawing/2014/main" val="10000"/>
+                    <a16:rowId xmlns:a16="http://schemas.microsoft.com/office/drawing/2014/main" xmlns="" val="10000"/>
                   </a:ext>
                 </a:extLst>
               </a:tr>
@@ -9745,7 +9822,7 @@
                 </a:tc>
                 <a:extLst>
                   <a:ext uri="{0D108BD9-81ED-4DB2-BD59-A6C34878D82A}">
-                    <a16:rowId xmlns="" xmlns:a16="http://schemas.microsoft.com/office/drawing/2014/main" val="10001"/>
+                    <a16:rowId xmlns:a16="http://schemas.microsoft.com/office/drawing/2014/main" xmlns="" val="10001"/>
                   </a:ext>
                 </a:extLst>
               </a:tr>
@@ -9781,7 +9858,7 @@
                   <a:srgbClr val="C00000"/>
                 </a:solidFill>
               </a:rPr>
-              <a:t>myNumber</a:t>
+              <a:t>aNumber</a:t>
             </a:r>
             <a:r>
               <a:rPr lang="en-US" sz="2000" b="1" dirty="0" smtClean="0">
@@ -9789,7 +9866,15 @@
                   <a:srgbClr val="C00000"/>
                 </a:solidFill>
               </a:rPr>
-              <a:t> = 3</a:t>
+              <a:t> </a:t>
+            </a:r>
+            <a:r>
+              <a:rPr lang="en-US" sz="2000" b="1" dirty="0" smtClean="0">
+                <a:solidFill>
+                  <a:srgbClr val="C00000"/>
+                </a:solidFill>
+              </a:rPr>
+              <a:t>= 3</a:t>
             </a:r>
           </a:p>
           <a:p>
@@ -9807,6 +9892,22 @@
                   <a:srgbClr val="C00000"/>
                 </a:solidFill>
               </a:rPr>
+              <a:t> = </a:t>
+            </a:r>
+            <a:r>
+              <a:rPr lang="en-US" sz="2000" b="1" dirty="0" err="1" smtClean="0">
+                <a:solidFill>
+                  <a:srgbClr val="C00000"/>
+                </a:solidFill>
+              </a:rPr>
+              <a:t>aNumber</a:t>
+            </a:r>
+            <a:r>
+              <a:rPr lang="en-US" sz="2000" b="1" dirty="0" smtClean="0">
+                <a:solidFill>
+                  <a:srgbClr val="C00000"/>
+                </a:solidFill>
+              </a:rPr>
               <a:t> </a:t>
             </a:r>
             <a:r>
@@ -9815,29 +9916,8 @@
                   <a:srgbClr val="C00000"/>
                 </a:solidFill>
               </a:rPr>
-              <a:t>= </a:t>
-            </a:r>
-            <a:r>
-              <a:rPr lang="en-US" sz="2000" b="1" dirty="0" err="1" smtClean="0">
-                <a:solidFill>
-                  <a:srgbClr val="C00000"/>
-                </a:solidFill>
-              </a:rPr>
-              <a:t>myNumber</a:t>
-            </a:r>
-            <a:r>
-              <a:rPr lang="en-US" sz="2000" b="1" dirty="0" smtClean="0">
-                <a:solidFill>
-                  <a:srgbClr val="C00000"/>
-                </a:solidFill>
-              </a:rPr>
-              <a:t> + 10 * 4</a:t>
-            </a:r>
-            <a:endParaRPr lang="en-US" sz="2000" b="1" dirty="0" smtClean="0">
-              <a:solidFill>
-                <a:srgbClr val="C00000"/>
-              </a:solidFill>
-            </a:endParaRPr>
+              <a:t>+ 10 * 4</a:t>
+            </a:r>
           </a:p>
           <a:p>
             <a:r>
